--- a/2020/restrequest4delphi/Consumindo API REST no FMX com RESTRequest4Delphi.pptx
+++ b/2020/restrequest4delphi/Consumindo API REST no FMX com RESTRequest4Delphi.pptx
@@ -304,7 +304,7 @@
           <a:p>
             <a:fld id="{14950CEE-7AF1-4DEB-8A88-639BC39DE243}" type="datetimeFigureOut">
               <a:rPr lang="pt-BR" smtClean="0"/>
-              <a:t>13/11/2020</a:t>
+              <a:t>15/11/2020</a:t>
             </a:fld>
             <a:endParaRPr lang="pt-BR"/>
           </a:p>
@@ -755,7 +755,7 @@
           <a:p>
             <a:fld id="{14950CEE-7AF1-4DEB-8A88-639BC39DE243}" type="datetimeFigureOut">
               <a:rPr lang="pt-BR" smtClean="0"/>
-              <a:t>13/11/2020</a:t>
+              <a:t>15/11/2020</a:t>
             </a:fld>
             <a:endParaRPr lang="pt-BR"/>
           </a:p>
@@ -963,7 +963,7 @@
           <a:p>
             <a:fld id="{14950CEE-7AF1-4DEB-8A88-639BC39DE243}" type="datetimeFigureOut">
               <a:rPr lang="pt-BR" smtClean="0"/>
-              <a:t>13/11/2020</a:t>
+              <a:t>15/11/2020</a:t>
             </a:fld>
             <a:endParaRPr lang="pt-BR"/>
           </a:p>
@@ -1200,7 +1200,7 @@
           <a:p>
             <a:fld id="{14950CEE-7AF1-4DEB-8A88-639BC39DE243}" type="datetimeFigureOut">
               <a:rPr lang="pt-BR" smtClean="0"/>
-              <a:t>13/11/2020</a:t>
+              <a:t>15/11/2020</a:t>
             </a:fld>
             <a:endParaRPr lang="pt-BR"/>
           </a:p>
@@ -1510,7 +1510,7 @@
           <a:p>
             <a:fld id="{14950CEE-7AF1-4DEB-8A88-639BC39DE243}" type="datetimeFigureOut">
               <a:rPr lang="pt-BR" smtClean="0"/>
-              <a:t>13/11/2020</a:t>
+              <a:t>15/11/2020</a:t>
             </a:fld>
             <a:endParaRPr lang="pt-BR"/>
           </a:p>
@@ -1775,7 +1775,7 @@
           <a:p>
             <a:fld id="{14950CEE-7AF1-4DEB-8A88-639BC39DE243}" type="datetimeFigureOut">
               <a:rPr lang="pt-BR" smtClean="0"/>
-              <a:t>13/11/2020</a:t>
+              <a:t>15/11/2020</a:t>
             </a:fld>
             <a:endParaRPr lang="pt-BR"/>
           </a:p>
@@ -2187,7 +2187,7 @@
           <a:p>
             <a:fld id="{14950CEE-7AF1-4DEB-8A88-639BC39DE243}" type="datetimeFigureOut">
               <a:rPr lang="pt-BR" smtClean="0"/>
-              <a:t>13/11/2020</a:t>
+              <a:t>15/11/2020</a:t>
             </a:fld>
             <a:endParaRPr lang="pt-BR"/>
           </a:p>
@@ -2328,7 +2328,7 @@
           <a:p>
             <a:fld id="{14950CEE-7AF1-4DEB-8A88-639BC39DE243}" type="datetimeFigureOut">
               <a:rPr lang="pt-BR" smtClean="0"/>
-              <a:t>13/11/2020</a:t>
+              <a:t>15/11/2020</a:t>
             </a:fld>
             <a:endParaRPr lang="pt-BR"/>
           </a:p>
@@ -2441,7 +2441,7 @@
           <a:p>
             <a:fld id="{14950CEE-7AF1-4DEB-8A88-639BC39DE243}" type="datetimeFigureOut">
               <a:rPr lang="pt-BR" smtClean="0"/>
-              <a:t>13/11/2020</a:t>
+              <a:t>15/11/2020</a:t>
             </a:fld>
             <a:endParaRPr lang="pt-BR"/>
           </a:p>
@@ -2752,7 +2752,7 @@
           <a:p>
             <a:fld id="{14950CEE-7AF1-4DEB-8A88-639BC39DE243}" type="datetimeFigureOut">
               <a:rPr lang="pt-BR" smtClean="0"/>
-              <a:t>13/11/2020</a:t>
+              <a:t>15/11/2020</a:t>
             </a:fld>
             <a:endParaRPr lang="pt-BR"/>
           </a:p>
@@ -3040,7 +3040,7 @@
           <a:p>
             <a:fld id="{14950CEE-7AF1-4DEB-8A88-639BC39DE243}" type="datetimeFigureOut">
               <a:rPr lang="pt-BR" smtClean="0"/>
-              <a:t>13/11/2020</a:t>
+              <a:t>15/11/2020</a:t>
             </a:fld>
             <a:endParaRPr lang="pt-BR"/>
           </a:p>
@@ -3281,7 +3281,7 @@
           <a:p>
             <a:fld id="{14950CEE-7AF1-4DEB-8A88-639BC39DE243}" type="datetimeFigureOut">
               <a:rPr lang="pt-BR" smtClean="0"/>
-              <a:t>13/11/2020</a:t>
+              <a:t>15/11/2020</a:t>
             </a:fld>
             <a:endParaRPr lang="pt-BR"/>
           </a:p>
@@ -4890,59 +4890,100 @@
           <a:chExt cx="0" cy="0"/>
         </a:xfrm>
       </p:grpSpPr>
-      <p:sp>
-        <p:nvSpPr>
-          <p:cNvPr id="2" name="Título 1">
-            <a:extLst>
-              <a:ext uri="{FF2B5EF4-FFF2-40B4-BE49-F238E27FC236}">
-                <a16:creationId xmlns:a16="http://schemas.microsoft.com/office/drawing/2014/main" id="{A12F87C1-ADE5-45CD-BA7F-CFE39B86CA92}"/>
-              </a:ext>
-            </a:extLst>
-          </p:cNvPr>
-          <p:cNvSpPr>
-            <a:spLocks noGrp="1"/>
-          </p:cNvSpPr>
-          <p:nvPr>
-            <p:ph type="title"/>
-          </p:nvPr>
-        </p:nvSpPr>
-        <p:spPr/>
-        <p:txBody>
-          <a:bodyPr/>
-          <a:lstStyle/>
-          <a:p>
-            <a:r>
-              <a:rPr lang="pt-BR" dirty="0"/>
-              <a:t>Agenda</a:t>
-            </a:r>
-          </a:p>
-        </p:txBody>
-      </p:sp>
-      <p:sp>
-        <p:nvSpPr>
-          <p:cNvPr id="3" name="Espaço Reservado para Conteúdo 2">
-            <a:extLst>
-              <a:ext uri="{FF2B5EF4-FFF2-40B4-BE49-F238E27FC236}">
-                <a16:creationId xmlns:a16="http://schemas.microsoft.com/office/drawing/2014/main" id="{A3B32E43-432B-4391-BD9E-287D5F3E285E}"/>
-              </a:ext>
-            </a:extLst>
-          </p:cNvPr>
-          <p:cNvSpPr>
-            <a:spLocks noGrp="1"/>
-          </p:cNvSpPr>
-          <p:nvPr>
-            <p:ph idx="1"/>
-          </p:nvPr>
-        </p:nvSpPr>
-        <p:spPr/>
-        <p:txBody>
-          <a:bodyPr/>
-          <a:lstStyle/>
-          <a:p>
-            <a:endParaRPr lang="pt-BR" dirty="0"/>
-          </a:p>
-        </p:txBody>
-      </p:sp>
+      <p:pic>
+        <p:nvPicPr>
+          <p:cNvPr id="1026" name="Picture 2" descr="LAB.ges - Mão na Massa!">
+            <a:extLst>
+              <a:ext uri="{FF2B5EF4-FFF2-40B4-BE49-F238E27FC236}">
+                <a16:creationId xmlns:a16="http://schemas.microsoft.com/office/drawing/2014/main" id="{B60F6F70-7114-4D48-B983-1D6DC2933008}"/>
+              </a:ext>
+            </a:extLst>
+          </p:cNvPr>
+          <p:cNvPicPr>
+            <a:picLocks noChangeAspect="1" noChangeArrowheads="1"/>
+          </p:cNvPicPr>
+          <p:nvPr/>
+        </p:nvPicPr>
+        <p:blipFill>
+          <a:blip r:embed="rId2">
+            <a:extLst>
+              <a:ext uri="{28A0092B-C50C-407E-A947-70E740481C1C}">
+                <a14:useLocalDpi xmlns:a14="http://schemas.microsoft.com/office/drawing/2010/main" val="0"/>
+              </a:ext>
+            </a:extLst>
+          </a:blip>
+          <a:srcRect/>
+          <a:stretch>
+            <a:fillRect/>
+          </a:stretch>
+        </p:blipFill>
+        <p:spPr bwMode="auto">
+          <a:xfrm>
+            <a:off x="579548" y="1108016"/>
+            <a:ext cx="7838941" cy="1228917"/>
+          </a:xfrm>
+          <a:prstGeom prst="rect">
+            <a:avLst/>
+          </a:prstGeom>
+          <a:noFill/>
+          <a:extLst>
+            <a:ext uri="{909E8E84-426E-40DD-AFC4-6F175D3DCCD1}">
+              <a14:hiddenFill xmlns:a14="http://schemas.microsoft.com/office/drawing/2010/main">
+                <a:solidFill>
+                  <a:srgbClr val="FFFFFF"/>
+                </a:solidFill>
+              </a14:hiddenFill>
+            </a:ext>
+          </a:extLst>
+        </p:spPr>
+      </p:pic>
+      <p:pic>
+        <p:nvPicPr>
+          <p:cNvPr id="1030" name="Picture 6" descr="Horse">
+            <a:extLst>
+              <a:ext uri="{FF2B5EF4-FFF2-40B4-BE49-F238E27FC236}">
+                <a16:creationId xmlns:a16="http://schemas.microsoft.com/office/drawing/2014/main" id="{1E96F9A4-3124-48CF-928A-01F275027C10}"/>
+              </a:ext>
+            </a:extLst>
+          </p:cNvPr>
+          <p:cNvPicPr>
+            <a:picLocks noChangeAspect="1" noChangeArrowheads="1"/>
+          </p:cNvPicPr>
+          <p:nvPr/>
+        </p:nvPicPr>
+        <p:blipFill>
+          <a:blip r:embed="rId3">
+            <a:extLst>
+              <a:ext uri="{28A0092B-C50C-407E-A947-70E740481C1C}">
+                <a14:useLocalDpi xmlns:a14="http://schemas.microsoft.com/office/drawing/2010/main" val="0"/>
+              </a:ext>
+            </a:extLst>
+          </a:blip>
+          <a:srcRect/>
+          <a:stretch>
+            <a:fillRect/>
+          </a:stretch>
+        </p:blipFill>
+        <p:spPr bwMode="auto">
+          <a:xfrm>
+            <a:off x="1008307" y="2972189"/>
+            <a:ext cx="5782076" cy="2777795"/>
+          </a:xfrm>
+          <a:prstGeom prst="rect">
+            <a:avLst/>
+          </a:prstGeom>
+          <a:noFill/>
+          <a:extLst>
+            <a:ext uri="{909E8E84-426E-40DD-AFC4-6F175D3DCCD1}">
+              <a14:hiddenFill xmlns:a14="http://schemas.microsoft.com/office/drawing/2010/main">
+                <a:solidFill>
+                  <a:srgbClr val="FFFFFF"/>
+                </a:solidFill>
+              </a14:hiddenFill>
+            </a:ext>
+          </a:extLst>
+        </p:spPr>
+      </p:pic>
     </p:spTree>
     <p:extLst>
       <p:ext uri="{BB962C8B-B14F-4D97-AF65-F5344CB8AC3E}">
